--- a/Solution technique.pptx
+++ b/Solution technique.pptx
@@ -225,7 +225,7 @@
           <a:p>
             <a:fld id="{238FB027-9A8F-8045-B502-6E167BAEF5E5}" type="datetimeFigureOut">
               <a:rPr lang="fr-FR" smtClean="0"/>
-              <a:t>27/03/2024</a:t>
+              <a:t>20/08/2024</a:t>
             </a:fld>
             <a:endParaRPr lang="fr-FR"/>
           </a:p>
@@ -723,7 +723,7 @@
           <a:p>
             <a:fld id="{77B41EF1-082E-9B44-8715-0E686EE35673}" type="datetimeFigureOut">
               <a:rPr lang="fr-FR" smtClean="0"/>
-              <a:t>27/03/2024</a:t>
+              <a:t>20/08/2024</a:t>
             </a:fld>
             <a:endParaRPr lang="fr-FR"/>
           </a:p>
@@ -921,7 +921,7 @@
           <a:p>
             <a:fld id="{77B41EF1-082E-9B44-8715-0E686EE35673}" type="datetimeFigureOut">
               <a:rPr lang="fr-FR" smtClean="0"/>
-              <a:t>27/03/2024</a:t>
+              <a:t>20/08/2024</a:t>
             </a:fld>
             <a:endParaRPr lang="fr-FR"/>
           </a:p>
@@ -1129,7 +1129,7 @@
           <a:p>
             <a:fld id="{77B41EF1-082E-9B44-8715-0E686EE35673}" type="datetimeFigureOut">
               <a:rPr lang="fr-FR" smtClean="0"/>
-              <a:t>27/03/2024</a:t>
+              <a:t>20/08/2024</a:t>
             </a:fld>
             <a:endParaRPr lang="fr-FR"/>
           </a:p>
@@ -1327,7 +1327,7 @@
           <a:p>
             <a:fld id="{77B41EF1-082E-9B44-8715-0E686EE35673}" type="datetimeFigureOut">
               <a:rPr lang="fr-FR" smtClean="0"/>
-              <a:t>27/03/2024</a:t>
+              <a:t>20/08/2024</a:t>
             </a:fld>
             <a:endParaRPr lang="fr-FR"/>
           </a:p>
@@ -1602,7 +1602,7 @@
           <a:p>
             <a:fld id="{77B41EF1-082E-9B44-8715-0E686EE35673}" type="datetimeFigureOut">
               <a:rPr lang="fr-FR" smtClean="0"/>
-              <a:t>27/03/2024</a:t>
+              <a:t>20/08/2024</a:t>
             </a:fld>
             <a:endParaRPr lang="fr-FR"/>
           </a:p>
@@ -1867,7 +1867,7 @@
           <a:p>
             <a:fld id="{77B41EF1-082E-9B44-8715-0E686EE35673}" type="datetimeFigureOut">
               <a:rPr lang="fr-FR" smtClean="0"/>
-              <a:t>27/03/2024</a:t>
+              <a:t>20/08/2024</a:t>
             </a:fld>
             <a:endParaRPr lang="fr-FR"/>
           </a:p>
@@ -2279,7 +2279,7 @@
           <a:p>
             <a:fld id="{77B41EF1-082E-9B44-8715-0E686EE35673}" type="datetimeFigureOut">
               <a:rPr lang="fr-FR" smtClean="0"/>
-              <a:t>27/03/2024</a:t>
+              <a:t>20/08/2024</a:t>
             </a:fld>
             <a:endParaRPr lang="fr-FR"/>
           </a:p>
@@ -2420,7 +2420,7 @@
           <a:p>
             <a:fld id="{77B41EF1-082E-9B44-8715-0E686EE35673}" type="datetimeFigureOut">
               <a:rPr lang="fr-FR" smtClean="0"/>
-              <a:t>27/03/2024</a:t>
+              <a:t>20/08/2024</a:t>
             </a:fld>
             <a:endParaRPr lang="fr-FR"/>
           </a:p>
@@ -2533,7 +2533,7 @@
           <a:p>
             <a:fld id="{77B41EF1-082E-9B44-8715-0E686EE35673}" type="datetimeFigureOut">
               <a:rPr lang="fr-FR" smtClean="0"/>
-              <a:t>27/03/2024</a:t>
+              <a:t>20/08/2024</a:t>
             </a:fld>
             <a:endParaRPr lang="fr-FR"/>
           </a:p>
@@ -2844,7 +2844,7 @@
           <a:p>
             <a:fld id="{77B41EF1-082E-9B44-8715-0E686EE35673}" type="datetimeFigureOut">
               <a:rPr lang="fr-FR" smtClean="0"/>
-              <a:t>27/03/2024</a:t>
+              <a:t>20/08/2024</a:t>
             </a:fld>
             <a:endParaRPr lang="fr-FR"/>
           </a:p>
@@ -3132,7 +3132,7 @@
           <a:p>
             <a:fld id="{77B41EF1-082E-9B44-8715-0E686EE35673}" type="datetimeFigureOut">
               <a:rPr lang="fr-FR" smtClean="0"/>
-              <a:t>27/03/2024</a:t>
+              <a:t>20/08/2024</a:t>
             </a:fld>
             <a:endParaRPr lang="fr-FR"/>
           </a:p>
@@ -3373,7 +3373,7 @@
           <a:p>
             <a:fld id="{77B41EF1-082E-9B44-8715-0E686EE35673}" type="datetimeFigureOut">
               <a:rPr lang="fr-FR" smtClean="0"/>
-              <a:t>27/03/2024</a:t>
+              <a:t>20/08/2024</a:t>
             </a:fld>
             <a:endParaRPr lang="fr-FR"/>
           </a:p>
@@ -4480,7 +4480,7 @@
               <a:buNone/>
             </a:pPr>
             <a:r>
-              <a:rPr lang="fr-CH" u="sng" dirty="0">
+              <a:rPr lang="fr-CH" sz="2400" u="sng" dirty="0">
                 <a:latin typeface="Montserrat" pitchFamily="2" charset="77"/>
               </a:rPr>
               <a:t>Pourquoi l’utiliser pour notre projet ?</a:t>
@@ -4798,12 +4798,12 @@
               <a:buNone/>
             </a:pPr>
             <a:r>
-              <a:rPr lang="fr-CH" u="sng" dirty="0">
+              <a:rPr lang="fr-CH" sz="2400" u="sng" dirty="0">
                 <a:latin typeface="Montserrat" pitchFamily="2" charset="77"/>
               </a:rPr>
               <a:t>Lequel outil choisir pour notre projet ?</a:t>
             </a:r>
-            <a:endParaRPr lang="fr-FR" i="1" dirty="0">
+            <a:endParaRPr lang="fr-FR" sz="2400" i="1" dirty="0">
               <a:effectLst/>
               <a:latin typeface="Montserrat" pitchFamily="2" charset="77"/>
               <a:ea typeface="Montserrat" pitchFamily="2" charset="77"/>
@@ -5357,13 +5357,13 @@
               <a:buNone/>
             </a:pPr>
             <a:r>
-              <a:rPr lang="fr-CH" u="sng" dirty="0">
-                <a:latin typeface="Montserrat" pitchFamily="2" charset="77"/>
-              </a:rPr>
-              <a:t>Le Kanban:</a:t>
-            </a:r>
-            <a:r>
-              <a:rPr lang="fr-CH" dirty="0">
+              <a:rPr lang="fr-CH" sz="2400" u="sng" dirty="0">
+                <a:latin typeface="Montserrat" pitchFamily="2" charset="77"/>
+              </a:rPr>
+              <a:t>Le Kanban :</a:t>
+            </a:r>
+            <a:r>
+              <a:rPr lang="fr-CH" sz="2400" dirty="0">
                 <a:latin typeface="Montserrat" pitchFamily="2" charset="77"/>
               </a:rPr>
               <a:t> </a:t>
@@ -5718,12 +5718,12 @@
               <a:buNone/>
             </a:pPr>
             <a:r>
-              <a:rPr lang="fr-CH" u="sng" dirty="0">
+              <a:rPr lang="fr-CH" sz="2400" u="sng" dirty="0">
                 <a:latin typeface="Montserrat" pitchFamily="2" charset="77"/>
               </a:rPr>
               <a:t>Configuration :</a:t>
             </a:r>
-            <a:endParaRPr lang="fr-FR" i="1" dirty="0">
+            <a:endParaRPr lang="fr-FR" sz="2400" i="1" dirty="0">
               <a:effectLst/>
               <a:latin typeface="Montserrat" pitchFamily="2" charset="77"/>
               <a:ea typeface="Montserrat" pitchFamily="2" charset="77"/>
@@ -6979,7 +6979,7 @@
               <a:buNone/>
             </a:pPr>
             <a:r>
-              <a:rPr lang="fr-CH" u="sng" dirty="0">
+              <a:rPr lang="fr-CH" sz="2400" u="sng" dirty="0">
                 <a:latin typeface="Montserrat" pitchFamily="2" charset="77"/>
               </a:rPr>
               <a:t>Composition de l’équipe :</a:t>
@@ -7399,12 +7399,12 @@
               <a:buNone/>
             </a:pPr>
             <a:r>
-              <a:rPr lang="fr-CH" u="sng" dirty="0">
+              <a:rPr lang="fr-CH" sz="2400" u="sng" dirty="0">
                 <a:latin typeface="Montserrat" pitchFamily="2" charset="77"/>
               </a:rPr>
               <a:t>Outil des développeurs :</a:t>
             </a:r>
-            <a:endParaRPr lang="fr-CH" sz="1800" dirty="0">
+            <a:endParaRPr lang="fr-CH" sz="2400" dirty="0">
               <a:effectLst/>
               <a:latin typeface="Montserrat" pitchFamily="2" charset="77"/>
               <a:ea typeface="Montserrat" pitchFamily="2" charset="77"/>
@@ -8398,19 +8398,19 @@
               <a:buNone/>
             </a:pPr>
             <a:r>
-              <a:rPr lang="fr-CH" u="sng" dirty="0">
+              <a:rPr lang="fr-CH" sz="2400" u="sng" dirty="0">
                 <a:latin typeface="Montserrat" pitchFamily="2" charset="77"/>
               </a:rPr>
               <a:t>Comment communiquer avec </a:t>
             </a:r>
             <a:r>
-              <a:rPr lang="fr-CH" u="sng" dirty="0" err="1">
+              <a:rPr lang="fr-CH" sz="2400" u="sng" dirty="0" err="1">
                 <a:latin typeface="Montserrat" pitchFamily="2" charset="77"/>
               </a:rPr>
               <a:t>Qwenta</a:t>
             </a:r>
             <a:r>
-              <a:rPr lang="fr-CH" u="sng" dirty="0">
+              <a:rPr lang="fr-CH" sz="2400" u="sng" dirty="0">
                 <a:latin typeface="Montserrat" pitchFamily="2" charset="77"/>
               </a:rPr>
               <a:t> ?</a:t>
@@ -8893,10 +8893,12 @@
             </a:endParaRPr>
           </a:p>
           <a:p>
-            <a:pPr>
+            <a:pPr marL="400050" indent="-400050">
               <a:lnSpc>
                 <a:spcPct val="100000"/>
               </a:lnSpc>
+              <a:buFont typeface="+mj-lt"/>
+              <a:buAutoNum type="romanUcPeriod"/>
             </a:pPr>
             <a:r>
               <a:rPr lang="fr-CH" sz="1800" dirty="0">
@@ -8906,10 +8908,12 @@
             </a:r>
           </a:p>
           <a:p>
-            <a:pPr>
+            <a:pPr marL="400050" indent="-400050">
               <a:lnSpc>
                 <a:spcPct val="100000"/>
               </a:lnSpc>
+              <a:buFont typeface="+mj-lt"/>
+              <a:buAutoNum type="romanUcPeriod"/>
             </a:pPr>
             <a:r>
               <a:rPr lang="fr-CH" sz="1800" dirty="0">
@@ -8919,10 +8923,12 @@
             </a:r>
           </a:p>
           <a:p>
-            <a:pPr>
+            <a:pPr marL="400050" indent="-400050">
               <a:lnSpc>
                 <a:spcPct val="100000"/>
               </a:lnSpc>
+              <a:buFont typeface="+mj-lt"/>
+              <a:buAutoNum type="romanUcPeriod"/>
             </a:pPr>
             <a:r>
               <a:rPr lang="fr-CH" sz="1800" dirty="0">
@@ -8932,10 +8938,12 @@
             </a:r>
           </a:p>
           <a:p>
-            <a:pPr>
+            <a:pPr marL="400050" indent="-400050">
               <a:lnSpc>
                 <a:spcPct val="100000"/>
               </a:lnSpc>
+              <a:buFont typeface="+mj-lt"/>
+              <a:buAutoNum type="romanUcPeriod"/>
             </a:pPr>
             <a:r>
               <a:rPr lang="fr-CH" sz="1800" dirty="0">
@@ -8945,10 +8953,12 @@
             </a:r>
           </a:p>
           <a:p>
-            <a:pPr>
+            <a:pPr marL="400050" indent="-400050">
               <a:lnSpc>
                 <a:spcPct val="100000"/>
               </a:lnSpc>
+              <a:buFont typeface="+mj-lt"/>
+              <a:buAutoNum type="romanUcPeriod"/>
             </a:pPr>
             <a:r>
               <a:rPr lang="fr-CH" sz="1800" dirty="0">
@@ -8958,10 +8968,12 @@
             </a:r>
           </a:p>
           <a:p>
-            <a:pPr>
+            <a:pPr marL="400050" indent="-400050">
               <a:lnSpc>
                 <a:spcPct val="100000"/>
               </a:lnSpc>
+              <a:buFont typeface="+mj-lt"/>
+              <a:buAutoNum type="romanUcPeriod"/>
             </a:pPr>
             <a:r>
               <a:rPr lang="fr-CH" sz="1800" dirty="0">
@@ -9847,13 +9859,13 @@
               <a:buNone/>
             </a:pPr>
             <a:r>
-              <a:rPr lang="fr-CH" u="sng" dirty="0">
+              <a:rPr lang="fr-CH" sz="2400" u="sng" dirty="0">
                 <a:latin typeface="Montserrat" pitchFamily="2" charset="77"/>
               </a:rPr>
               <a:t>C’est quoi ?</a:t>
             </a:r>
             <a:r>
-              <a:rPr lang="fr-CH" dirty="0">
+              <a:rPr lang="fr-CH" sz="2400" dirty="0">
                 <a:latin typeface="Montserrat" pitchFamily="2" charset="77"/>
               </a:rPr>
               <a:t> </a:t>
@@ -10144,7 +10156,7 @@
               <a:buNone/>
             </a:pPr>
             <a:r>
-              <a:rPr lang="fr-FR" u="sng" dirty="0">
+              <a:rPr lang="fr-FR" sz="2400" u="sng" dirty="0">
                 <a:latin typeface="Montserrat" pitchFamily="2" charset="77"/>
               </a:rPr>
               <a:t>La veille va divisé en 4 parties :</a:t>
@@ -10959,13 +10971,13 @@
               <a:buNone/>
             </a:pPr>
             <a:r>
-              <a:rPr lang="fr-CH" u="sng" dirty="0">
+              <a:rPr lang="fr-CH" sz="2400" u="sng" dirty="0">
                 <a:latin typeface="Montserrat" pitchFamily="2" charset="77"/>
               </a:rPr>
               <a:t>C’est quoi ?</a:t>
             </a:r>
             <a:r>
-              <a:rPr lang="fr-CH" sz="1800" dirty="0">
+              <a:rPr lang="fr-CH" sz="2400" dirty="0">
                 <a:latin typeface="Montserrat" pitchFamily="2" charset="77"/>
               </a:rPr>
               <a:t> </a:t>
@@ -11259,12 +11271,12 @@
               <a:buNone/>
             </a:pPr>
             <a:r>
-              <a:rPr lang="fr-CH" u="sng" dirty="0">
+              <a:rPr lang="fr-CH" sz="2400" u="sng" dirty="0">
                 <a:latin typeface="Montserrat" pitchFamily="2" charset="77"/>
               </a:rPr>
               <a:t>Solution proposée :  MERN</a:t>
             </a:r>
-            <a:endParaRPr lang="fr-CH" sz="1800" dirty="0">
+            <a:endParaRPr lang="fr-CH" sz="1600" dirty="0">
               <a:latin typeface="Montserrat" pitchFamily="2" charset="77"/>
             </a:endParaRPr>
           </a:p>
@@ -11579,7 +11591,7 @@
               <a:buNone/>
             </a:pPr>
             <a:r>
-              <a:rPr lang="fr-CH" u="sng" dirty="0">
+              <a:rPr lang="fr-CH" sz="2400" u="sng" dirty="0">
                 <a:latin typeface="Montserrat" pitchFamily="2" charset="77"/>
               </a:rPr>
               <a:t>Solutions proposées :</a:t>

--- a/Solution technique.pptx
+++ b/Solution technique.pptx
@@ -5,7 +5,7 @@
     <p:sldMasterId id="2147483648" r:id="rId1"/>
   </p:sldMasterIdLst>
   <p:notesMasterIdLst>
-    <p:notesMasterId r:id="rId20"/>
+    <p:notesMasterId r:id="rId21"/>
   </p:notesMasterIdLst>
   <p:sldIdLst>
     <p:sldId id="256" r:id="rId2"/>
@@ -24,8 +24,9 @@
     <p:sldId id="284" r:id="rId15"/>
     <p:sldId id="273" r:id="rId16"/>
     <p:sldId id="283" r:id="rId17"/>
-    <p:sldId id="281" r:id="rId18"/>
-    <p:sldId id="275" r:id="rId19"/>
+    <p:sldId id="285" r:id="rId18"/>
+    <p:sldId id="281" r:id="rId19"/>
+    <p:sldId id="275" r:id="rId20"/>
   </p:sldIdLst>
   <p:sldSz cx="12192000" cy="6858000"/>
   <p:notesSz cx="6858000" cy="9144000"/>
@@ -225,7 +226,7 @@
           <a:p>
             <a:fld id="{238FB027-9A8F-8045-B502-6E167BAEF5E5}" type="datetimeFigureOut">
               <a:rPr lang="fr-FR" smtClean="0"/>
-              <a:t>20/08/2024</a:t>
+              <a:t>26/08/2024</a:t>
             </a:fld>
             <a:endParaRPr lang="fr-FR"/>
           </a:p>
@@ -723,7 +724,7 @@
           <a:p>
             <a:fld id="{77B41EF1-082E-9B44-8715-0E686EE35673}" type="datetimeFigureOut">
               <a:rPr lang="fr-FR" smtClean="0"/>
-              <a:t>20/08/2024</a:t>
+              <a:t>26/08/2024</a:t>
             </a:fld>
             <a:endParaRPr lang="fr-FR"/>
           </a:p>
@@ -921,7 +922,7 @@
           <a:p>
             <a:fld id="{77B41EF1-082E-9B44-8715-0E686EE35673}" type="datetimeFigureOut">
               <a:rPr lang="fr-FR" smtClean="0"/>
-              <a:t>20/08/2024</a:t>
+              <a:t>26/08/2024</a:t>
             </a:fld>
             <a:endParaRPr lang="fr-FR"/>
           </a:p>
@@ -1129,7 +1130,7 @@
           <a:p>
             <a:fld id="{77B41EF1-082E-9B44-8715-0E686EE35673}" type="datetimeFigureOut">
               <a:rPr lang="fr-FR" smtClean="0"/>
-              <a:t>20/08/2024</a:t>
+              <a:t>26/08/2024</a:t>
             </a:fld>
             <a:endParaRPr lang="fr-FR"/>
           </a:p>
@@ -1327,7 +1328,7 @@
           <a:p>
             <a:fld id="{77B41EF1-082E-9B44-8715-0E686EE35673}" type="datetimeFigureOut">
               <a:rPr lang="fr-FR" smtClean="0"/>
-              <a:t>20/08/2024</a:t>
+              <a:t>26/08/2024</a:t>
             </a:fld>
             <a:endParaRPr lang="fr-FR"/>
           </a:p>
@@ -1602,7 +1603,7 @@
           <a:p>
             <a:fld id="{77B41EF1-082E-9B44-8715-0E686EE35673}" type="datetimeFigureOut">
               <a:rPr lang="fr-FR" smtClean="0"/>
-              <a:t>20/08/2024</a:t>
+              <a:t>26/08/2024</a:t>
             </a:fld>
             <a:endParaRPr lang="fr-FR"/>
           </a:p>
@@ -1867,7 +1868,7 @@
           <a:p>
             <a:fld id="{77B41EF1-082E-9B44-8715-0E686EE35673}" type="datetimeFigureOut">
               <a:rPr lang="fr-FR" smtClean="0"/>
-              <a:t>20/08/2024</a:t>
+              <a:t>26/08/2024</a:t>
             </a:fld>
             <a:endParaRPr lang="fr-FR"/>
           </a:p>
@@ -2279,7 +2280,7 @@
           <a:p>
             <a:fld id="{77B41EF1-082E-9B44-8715-0E686EE35673}" type="datetimeFigureOut">
               <a:rPr lang="fr-FR" smtClean="0"/>
-              <a:t>20/08/2024</a:t>
+              <a:t>26/08/2024</a:t>
             </a:fld>
             <a:endParaRPr lang="fr-FR"/>
           </a:p>
@@ -2420,7 +2421,7 @@
           <a:p>
             <a:fld id="{77B41EF1-082E-9B44-8715-0E686EE35673}" type="datetimeFigureOut">
               <a:rPr lang="fr-FR" smtClean="0"/>
-              <a:t>20/08/2024</a:t>
+              <a:t>26/08/2024</a:t>
             </a:fld>
             <a:endParaRPr lang="fr-FR"/>
           </a:p>
@@ -2533,7 +2534,7 @@
           <a:p>
             <a:fld id="{77B41EF1-082E-9B44-8715-0E686EE35673}" type="datetimeFigureOut">
               <a:rPr lang="fr-FR" smtClean="0"/>
-              <a:t>20/08/2024</a:t>
+              <a:t>26/08/2024</a:t>
             </a:fld>
             <a:endParaRPr lang="fr-FR"/>
           </a:p>
@@ -2844,7 +2845,7 @@
           <a:p>
             <a:fld id="{77B41EF1-082E-9B44-8715-0E686EE35673}" type="datetimeFigureOut">
               <a:rPr lang="fr-FR" smtClean="0"/>
-              <a:t>20/08/2024</a:t>
+              <a:t>26/08/2024</a:t>
             </a:fld>
             <a:endParaRPr lang="fr-FR"/>
           </a:p>
@@ -3132,7 +3133,7 @@
           <a:p>
             <a:fld id="{77B41EF1-082E-9B44-8715-0E686EE35673}" type="datetimeFigureOut">
               <a:rPr lang="fr-FR" smtClean="0"/>
-              <a:t>20/08/2024</a:t>
+              <a:t>26/08/2024</a:t>
             </a:fld>
             <a:endParaRPr lang="fr-FR"/>
           </a:p>
@@ -3373,7 +3374,7 @@
           <a:p>
             <a:fld id="{77B41EF1-082E-9B44-8715-0E686EE35673}" type="datetimeFigureOut">
               <a:rPr lang="fr-FR" smtClean="0"/>
-              <a:t>20/08/2024</a:t>
+              <a:t>26/08/2024</a:t>
             </a:fld>
             <a:endParaRPr lang="fr-FR"/>
           </a:p>
@@ -4555,7 +4556,7 @@
                 <a:ea typeface="Montserrat" pitchFamily="2" charset="77"/>
                 <a:cs typeface="Montserrat" pitchFamily="2" charset="77"/>
               </a:rPr>
-              <a:t>= meilleur répartition des tâches, flexibilité, meilleure communication, meilleure organisation.</a:t>
+              <a:t>= meilleur répartition des tâches, flexibilité, meilleure communication, meilleure organisation. On utilise la méthode Agile.</a:t>
             </a:r>
             <a:endParaRPr lang="fr-FR" sz="1800" i="1" dirty="0">
               <a:effectLst/>
@@ -7817,6 +7818,348 @@
       </p:pic>
       <p:sp>
         <p:nvSpPr>
+          <p:cNvPr id="7" name="Espace réservé du contenu 2">
+            <a:extLst>
+              <a:ext uri="{FF2B5EF4-FFF2-40B4-BE49-F238E27FC236}">
+                <a16:creationId xmlns:a16="http://schemas.microsoft.com/office/drawing/2014/main" id="{30A272BB-A4D3-1386-98B1-E769AD1F3AE8}"/>
+              </a:ext>
+            </a:extLst>
+          </p:cNvPr>
+          <p:cNvSpPr>
+            <a:spLocks noGrp="1"/>
+          </p:cNvSpPr>
+          <p:nvPr>
+            <p:ph idx="1"/>
+          </p:nvPr>
+        </p:nvSpPr>
+        <p:spPr>
+          <a:xfrm>
+            <a:off x="838200" y="2030877"/>
+            <a:ext cx="10515600" cy="4461998"/>
+          </a:xfrm>
+          <a:scene3d>
+            <a:camera prst="orthographicFront"/>
+            <a:lightRig rig="threePt" dir="t"/>
+          </a:scene3d>
+          <a:sp3d>
+            <a:bevelT w="57150"/>
+          </a:sp3d>
+        </p:spPr>
+        <p:txBody>
+          <a:bodyPr>
+            <a:normAutofit fontScale="92500" lnSpcReduction="10000"/>
+          </a:bodyPr>
+          <a:lstStyle/>
+          <a:p>
+            <a:pPr marL="0" indent="0">
+              <a:buNone/>
+            </a:pPr>
+            <a:r>
+              <a:rPr lang="fr-CH" sz="2400" u="sng" dirty="0">
+                <a:effectLst/>
+                <a:latin typeface="Montserrat" pitchFamily="2" charset="77"/>
+                <a:ea typeface="Montserrat" pitchFamily="2" charset="77"/>
+                <a:cs typeface="Montserrat" pitchFamily="2" charset="77"/>
+              </a:rPr>
+              <a:t>Pour une meilleure approche de planification, nous utiliserons la méthod</a:t>
+            </a:r>
+            <a:r>
+              <a:rPr lang="fr-CH" sz="2400" u="sng" dirty="0">
+                <a:latin typeface="Montserrat" pitchFamily="2" charset="77"/>
+                <a:ea typeface="Montserrat" pitchFamily="2" charset="77"/>
+                <a:cs typeface="Montserrat" pitchFamily="2" charset="77"/>
+              </a:rPr>
+              <a:t>e SCRUM :</a:t>
+            </a:r>
+          </a:p>
+          <a:p>
+            <a:r>
+              <a:rPr lang="fr-CH" sz="1900" dirty="0">
+                <a:latin typeface="Montserrat" pitchFamily="2" charset="77"/>
+              </a:rPr>
+              <a:t>Séparations du projets en «Sprint». Chaque Sprint est une période pendant laquelle une fonctionnalité du produit est développée, testée et prête à être livrée.</a:t>
+            </a:r>
+          </a:p>
+          <a:p>
+            <a:r>
+              <a:rPr lang="fr-CH" sz="1900" u="sng" dirty="0">
+                <a:latin typeface="Montserrat" pitchFamily="2" charset="77"/>
+              </a:rPr>
+              <a:t>Daily Scrum :</a:t>
+            </a:r>
+            <a:r>
+              <a:rPr lang="fr-CH" sz="1900" dirty="0">
+                <a:latin typeface="Montserrat" pitchFamily="2" charset="77"/>
+              </a:rPr>
+              <a:t> meeting matinal ou chacun partage les progrès, les défis et les plans pour la journée.</a:t>
+            </a:r>
+          </a:p>
+          <a:p>
+            <a:r>
+              <a:rPr lang="fr-CH" sz="1900" u="sng" dirty="0">
+                <a:latin typeface="Montserrat" pitchFamily="2" charset="77"/>
+              </a:rPr>
+              <a:t>Revue de Sprint :</a:t>
+            </a:r>
+            <a:r>
+              <a:rPr lang="fr-CH" sz="1900" dirty="0">
+                <a:latin typeface="Montserrat" pitchFamily="2" charset="77"/>
+              </a:rPr>
+              <a:t> À la fin de chaque Sprint, l'équipe présente son travail. Les retours d'utilisateurs sont recueillis et une discussion a lieu sur la prochaine étape du projet.</a:t>
+            </a:r>
+          </a:p>
+          <a:p>
+            <a:r>
+              <a:rPr lang="fr-CH" sz="1900" u="sng" dirty="0">
+                <a:latin typeface="Montserrat" pitchFamily="2" charset="77"/>
+              </a:rPr>
+              <a:t>Rétrospective de Sprint :</a:t>
+            </a:r>
+            <a:r>
+              <a:rPr lang="fr-CH" sz="1900" dirty="0">
+                <a:latin typeface="Montserrat" pitchFamily="2" charset="77"/>
+              </a:rPr>
+              <a:t> C'est une réunion où l'équipe réfléchit aux succès et aux difficultés du Sprint écoulé. On identifie les points à améliorer et les actions à entreprendre pour les prochains Sprints.</a:t>
+            </a:r>
+          </a:p>
+          <a:p>
+            <a:endParaRPr lang="fr-CH" sz="1800" dirty="0">
+              <a:latin typeface="Montserrat" pitchFamily="2" charset="77"/>
+            </a:endParaRPr>
+          </a:p>
+          <a:p>
+            <a:endParaRPr lang="fr-CH" sz="2400" u="sng" dirty="0">
+              <a:latin typeface="Montserrat" pitchFamily="2" charset="77"/>
+            </a:endParaRPr>
+          </a:p>
+          <a:p>
+            <a:pPr marL="0" indent="0" algn="just">
+              <a:buNone/>
+            </a:pPr>
+            <a:r>
+              <a:rPr lang="fr-CH" sz="2400" u="sng" dirty="0">
+                <a:latin typeface="Montserrat" pitchFamily="2" charset="77"/>
+              </a:rPr>
+              <a:t>  </a:t>
+            </a:r>
+          </a:p>
+          <a:p>
+            <a:pPr algn="just"/>
+            <a:endParaRPr lang="fr-CH" sz="1800" u="sng" dirty="0">
+              <a:effectLst/>
+              <a:latin typeface="Montserrat" pitchFamily="2" charset="77"/>
+              <a:ea typeface="Montserrat" pitchFamily="2" charset="77"/>
+              <a:cs typeface="Montserrat" pitchFamily="2" charset="77"/>
+            </a:endParaRPr>
+          </a:p>
+          <a:p>
+            <a:pPr algn="just"/>
+            <a:endParaRPr lang="fr-FR" sz="2600" dirty="0">
+              <a:effectLst/>
+              <a:latin typeface="Montserrat" pitchFamily="2" charset="77"/>
+              <a:ea typeface="Montserrat" pitchFamily="2" charset="77"/>
+              <a:cs typeface="Montserrat" pitchFamily="2" charset="77"/>
+            </a:endParaRPr>
+          </a:p>
+          <a:p>
+            <a:pPr marL="0" indent="0" algn="just">
+              <a:buNone/>
+            </a:pPr>
+            <a:endParaRPr lang="fr-FR" sz="1800" i="1" dirty="0">
+              <a:latin typeface="Montserrat" pitchFamily="2" charset="77"/>
+            </a:endParaRPr>
+          </a:p>
+          <a:p>
+            <a:pPr marL="0" indent="0" algn="just">
+              <a:buNone/>
+            </a:pPr>
+            <a:endParaRPr lang="fr-FR" dirty="0"/>
+          </a:p>
+        </p:txBody>
+      </p:sp>
+    </p:spTree>
+    <p:extLst>
+      <p:ext uri="{BB962C8B-B14F-4D97-AF65-F5344CB8AC3E}">
+        <p14:creationId xmlns:p14="http://schemas.microsoft.com/office/powerpoint/2010/main" val="1770062269"/>
+      </p:ext>
+    </p:extLst>
+  </p:cSld>
+  <p:clrMapOvr>
+    <a:masterClrMapping/>
+  </p:clrMapOvr>
+</p:sld>
+</file>
+
+<file path=ppt/slides/slide18.xml><?xml version="1.0" encoding="utf-8"?>
+<p:sld xmlns:a="http://schemas.openxmlformats.org/drawingml/2006/main" xmlns:r="http://schemas.openxmlformats.org/officeDocument/2006/relationships" xmlns:p="http://schemas.openxmlformats.org/presentationml/2006/main">
+  <p:cSld>
+    <p:bg>
+      <p:bgPr>
+        <a:solidFill>
+          <a:srgbClr val="B8EADA"/>
+        </a:solidFill>
+        <a:effectLst/>
+      </p:bgPr>
+    </p:bg>
+    <p:spTree>
+      <p:nvGrpSpPr>
+        <p:cNvPr id="1" name="">
+          <a:extLst>
+            <a:ext uri="{FF2B5EF4-FFF2-40B4-BE49-F238E27FC236}">
+              <a16:creationId xmlns:a16="http://schemas.microsoft.com/office/drawing/2014/main" id="{442944E2-8883-A417-1A5C-6F844C6867AE}"/>
+            </a:ext>
+          </a:extLst>
+        </p:cNvPr>
+        <p:cNvGrpSpPr/>
+        <p:nvPr/>
+      </p:nvGrpSpPr>
+      <p:grpSpPr>
+        <a:xfrm>
+          <a:off x="0" y="0"/>
+          <a:ext cx="0" cy="0"/>
+          <a:chOff x="0" y="0"/>
+          <a:chExt cx="0" cy="0"/>
+        </a:xfrm>
+      </p:grpSpPr>
+      <p:sp>
+        <p:nvSpPr>
+          <p:cNvPr id="2" name="Titre 1">
+            <a:extLst>
+              <a:ext uri="{FF2B5EF4-FFF2-40B4-BE49-F238E27FC236}">
+                <a16:creationId xmlns:a16="http://schemas.microsoft.com/office/drawing/2014/main" id="{1695DE3E-9DB9-062E-54A0-815F6A4E0881}"/>
+              </a:ext>
+            </a:extLst>
+          </p:cNvPr>
+          <p:cNvSpPr>
+            <a:spLocks noGrp="1"/>
+          </p:cNvSpPr>
+          <p:nvPr>
+            <p:ph type="title"/>
+          </p:nvPr>
+        </p:nvSpPr>
+        <p:spPr/>
+        <p:txBody>
+          <a:bodyPr/>
+          <a:lstStyle/>
+          <a:p>
+            <a:r>
+              <a:rPr lang="fr-FR" u="sng" dirty="0">
+                <a:latin typeface="Montserrat" pitchFamily="2" charset="77"/>
+              </a:rPr>
+              <a:t>V. Planification :</a:t>
+            </a:r>
+          </a:p>
+        </p:txBody>
+      </p:sp>
+      <p:sp>
+        <p:nvSpPr>
+          <p:cNvPr id="4" name="Triangle rectangle 3">
+            <a:extLst>
+              <a:ext uri="{FF2B5EF4-FFF2-40B4-BE49-F238E27FC236}">
+                <a16:creationId xmlns:a16="http://schemas.microsoft.com/office/drawing/2014/main" id="{EC295DAC-DDA8-6A6B-B5A9-7A47ABC992CB}"/>
+              </a:ext>
+            </a:extLst>
+          </p:cNvPr>
+          <p:cNvSpPr/>
+          <p:nvPr/>
+        </p:nvSpPr>
+        <p:spPr>
+          <a:xfrm rot="10800000">
+            <a:off x="10189028" y="-4"/>
+            <a:ext cx="2002970" cy="2046518"/>
+          </a:xfrm>
+          <a:prstGeom prst="rtTriangle">
+            <a:avLst/>
+          </a:prstGeom>
+          <a:ln>
+            <a:solidFill>
+              <a:schemeClr val="bg1"/>
+            </a:solidFill>
+          </a:ln>
+        </p:spPr>
+        <p:style>
+          <a:lnRef idx="2">
+            <a:schemeClr val="accent6"/>
+          </a:lnRef>
+          <a:fillRef idx="1">
+            <a:schemeClr val="lt1"/>
+          </a:fillRef>
+          <a:effectRef idx="0">
+            <a:schemeClr val="accent6"/>
+          </a:effectRef>
+          <a:fontRef idx="minor">
+            <a:schemeClr val="dk1"/>
+          </a:fontRef>
+        </p:style>
+        <p:txBody>
+          <a:bodyPr rtlCol="0" anchor="ctr"/>
+          <a:lstStyle/>
+          <a:p>
+            <a:pPr algn="ctr"/>
+            <a:endParaRPr lang="fr-FR"/>
+          </a:p>
+        </p:txBody>
+      </p:sp>
+      <p:pic>
+        <p:nvPicPr>
+          <p:cNvPr id="6" name="Image 5" descr="Une image contenant noir, obscurité&#10;&#10;Description générée automatiquement">
+            <a:extLst>
+              <a:ext uri="{FF2B5EF4-FFF2-40B4-BE49-F238E27FC236}">
+                <a16:creationId xmlns:a16="http://schemas.microsoft.com/office/drawing/2014/main" id="{49A00D75-FC57-7340-2BD1-ACB81CE6DCEC}"/>
+              </a:ext>
+            </a:extLst>
+          </p:cNvPr>
+          <p:cNvPicPr>
+            <a:picLocks noChangeAspect="1"/>
+          </p:cNvPicPr>
+          <p:nvPr/>
+        </p:nvPicPr>
+        <p:blipFill>
+          <a:blip r:embed="rId2"/>
+          <a:stretch>
+            <a:fillRect/>
+          </a:stretch>
+        </p:blipFill>
+        <p:spPr>
+          <a:xfrm>
+            <a:off x="128401" y="6435293"/>
+            <a:ext cx="709799" cy="250744"/>
+          </a:xfrm>
+          <a:prstGeom prst="rect">
+            <a:avLst/>
+          </a:prstGeom>
+        </p:spPr>
+      </p:pic>
+      <p:pic>
+        <p:nvPicPr>
+          <p:cNvPr id="3" name="image1.png">
+            <a:extLst>
+              <a:ext uri="{FF2B5EF4-FFF2-40B4-BE49-F238E27FC236}">
+                <a16:creationId xmlns:a16="http://schemas.microsoft.com/office/drawing/2014/main" id="{AB97CCE1-8CE8-0EFF-2FCF-003CD90CA24E}"/>
+              </a:ext>
+            </a:extLst>
+          </p:cNvPr>
+          <p:cNvPicPr/>
+          <p:nvPr/>
+        </p:nvPicPr>
+        <p:blipFill rotWithShape="1">
+          <a:blip r:embed="rId3"/>
+          <a:srcRect l="8082" r="8898"/>
+          <a:stretch/>
+        </p:blipFill>
+        <p:spPr>
+          <a:xfrm rot="2719298">
+            <a:off x="10983242" y="303651"/>
+            <a:ext cx="1084537" cy="720000"/>
+          </a:xfrm>
+          <a:prstGeom prst="rect">
+            <a:avLst/>
+          </a:prstGeom>
+          <a:ln/>
+        </p:spPr>
+      </p:pic>
+      <p:sp>
+        <p:nvSpPr>
           <p:cNvPr id="31" name="ZoneTexte 30">
             <a:extLst>
               <a:ext uri="{FF2B5EF4-FFF2-40B4-BE49-F238E27FC236}">
@@ -8191,7 +8534,7 @@
 </p:sld>
 </file>
 
-<file path=ppt/slides/slide18.xml><?xml version="1.0" encoding="utf-8"?>
+<file path=ppt/slides/slide19.xml><?xml version="1.0" encoding="utf-8"?>
 <p:sld xmlns:a="http://schemas.openxmlformats.org/drawingml/2006/main" xmlns:r="http://schemas.openxmlformats.org/officeDocument/2006/relationships" xmlns:p="http://schemas.openxmlformats.org/presentationml/2006/main">
   <p:cSld>
     <p:bg>
@@ -8401,19 +8744,7 @@
               <a:rPr lang="fr-CH" sz="2400" u="sng" dirty="0">
                 <a:latin typeface="Montserrat" pitchFamily="2" charset="77"/>
               </a:rPr>
-              <a:t>Comment communiquer avec </a:t>
-            </a:r>
-            <a:r>
-              <a:rPr lang="fr-CH" sz="2400" u="sng" dirty="0" err="1">
-                <a:latin typeface="Montserrat" pitchFamily="2" charset="77"/>
-              </a:rPr>
-              <a:t>Qwenta</a:t>
-            </a:r>
-            <a:r>
-              <a:rPr lang="fr-CH" sz="2400" u="sng" dirty="0">
-                <a:latin typeface="Montserrat" pitchFamily="2" charset="77"/>
-              </a:rPr>
-              <a:t> ?</a:t>
+              <a:t>Comment communiquer avec Qwenta ?</a:t>
             </a:r>
           </a:p>
           <a:p>
@@ -9168,36 +9499,6 @@
           <a:ln/>
         </p:spPr>
       </p:pic>
-      <p:pic>
-        <p:nvPicPr>
-          <p:cNvPr id="7" name="Image 6" descr="Une image contenant capture d’écran, ligne, diagramme, texte&#10;&#10;Description générée automatiquement">
-            <a:extLst>
-              <a:ext uri="{FF2B5EF4-FFF2-40B4-BE49-F238E27FC236}">
-                <a16:creationId xmlns:a16="http://schemas.microsoft.com/office/drawing/2014/main" id="{FB629A7A-1488-99D4-21CD-D28ADEAEA4A0}"/>
-              </a:ext>
-            </a:extLst>
-          </p:cNvPr>
-          <p:cNvPicPr>
-            <a:picLocks noChangeAspect="1"/>
-          </p:cNvPicPr>
-          <p:nvPr/>
-        </p:nvPicPr>
-        <p:blipFill>
-          <a:blip r:embed="rId4"/>
-          <a:stretch>
-            <a:fillRect/>
-          </a:stretch>
-        </p:blipFill>
-        <p:spPr>
-          <a:xfrm>
-            <a:off x="3408139" y="1690688"/>
-            <a:ext cx="6903312" cy="4703834"/>
-          </a:xfrm>
-          <a:prstGeom prst="rect">
-            <a:avLst/>
-          </a:prstGeom>
-        </p:spPr>
-      </p:pic>
       <p:sp>
         <p:nvSpPr>
           <p:cNvPr id="5" name="Espace réservé du contenu 2">
@@ -9243,8 +9544,26 @@
               <a:rPr lang="fr-CH" sz="1800" dirty="0">
                 <a:latin typeface="Montserrat" pitchFamily="2" charset="77"/>
               </a:rPr>
-              <a:t>Arborescence : </a:t>
-            </a:r>
+              <a:t>Allons voir la maquette : </a:t>
+            </a:r>
+            <a:r>
+              <a:rPr lang="fr-CH" sz="1800" dirty="0">
+                <a:latin typeface="Montserrat" pitchFamily="2" charset="77"/>
+                <a:hlinkClick r:id="rId4"/>
+              </a:rPr>
+              <a:t>https://www.figma.com/design/Q6NEUPqwz1U3HFaCaVoF7N/Maquette-desktop---Menu-Maker-by-Qwenta?node-id=0-6&amp;t=WzXhvDStDQKHVSwM-0</a:t>
+            </a:r>
+            <a:endParaRPr lang="fr-CH" sz="1800" dirty="0">
+              <a:latin typeface="Montserrat" pitchFamily="2" charset="77"/>
+            </a:endParaRPr>
+          </a:p>
+          <a:p>
+            <a:pPr marL="0" indent="0">
+              <a:lnSpc>
+                <a:spcPct val="100000"/>
+              </a:lnSpc>
+              <a:buNone/>
+            </a:pPr>
             <a:endParaRPr lang="fr-FR" sz="1800" dirty="0">
               <a:latin typeface="Montserrat" pitchFamily="2" charset="77"/>
             </a:endParaRPr>
@@ -11571,7 +11890,7 @@
         <p:spPr>
           <a:xfrm>
             <a:off x="838199" y="1599786"/>
-            <a:ext cx="10515599" cy="4015912"/>
+            <a:ext cx="10515599" cy="4515144"/>
           </a:xfrm>
           <a:scene3d>
             <a:camera prst="orthographicFront"/>
@@ -11583,7 +11902,7 @@
         </p:spPr>
         <p:txBody>
           <a:bodyPr anchor="t">
-            <a:normAutofit/>
+            <a:normAutofit lnSpcReduction="10000"/>
           </a:bodyPr>
           <a:lstStyle/>
           <a:p>
@@ -11699,7 +12018,90 @@
                 <a:effectLst/>
                 <a:latin typeface="Montserrat" pitchFamily="2" charset="77"/>
               </a:rPr>
-              <a:t>     </a:t>
+              <a:t>   </a:t>
+            </a:r>
+          </a:p>
+          <a:p>
+            <a:pPr marL="0" indent="0">
+              <a:buNone/>
+            </a:pPr>
+            <a:endParaRPr lang="fr-CH" sz="1800" b="0" i="0" u="none" strike="noStrike" dirty="0">
+              <a:effectLst/>
+              <a:latin typeface="Montserrat" pitchFamily="2" charset="77"/>
+            </a:endParaRPr>
+          </a:p>
+          <a:p>
+            <a:pPr marL="0" indent="0">
+              <a:buNone/>
+            </a:pPr>
+            <a:r>
+              <a:rPr lang="fr-CH" sz="1800" b="0" i="0" u="sng" strike="noStrike" dirty="0">
+                <a:effectLst/>
+                <a:latin typeface="Montserrat" pitchFamily="2" charset="77"/>
+              </a:rPr>
+              <a:t>Accessibilité :</a:t>
+            </a:r>
+            <a:r>
+              <a:rPr lang="fr-CH" sz="1800" b="0" i="0" strike="noStrike" dirty="0">
+                <a:effectLst/>
+                <a:latin typeface="Montserrat" pitchFamily="2" charset="77"/>
+              </a:rPr>
+              <a:t> focus principal sur Chrome, Safari, Firefox et Edge (93%  des navigateurs). Pas de version  mobile pour le moment.  </a:t>
+            </a:r>
+            <a:r>
+              <a:rPr lang="fr-CH" sz="1800" b="0" i="0" u="sng" strike="noStrike" dirty="0">
+                <a:effectLst/>
+                <a:latin typeface="Montserrat" pitchFamily="2" charset="77"/>
+              </a:rPr>
+              <a:t> </a:t>
+            </a:r>
+          </a:p>
+          <a:p>
+            <a:pPr marL="0" indent="0">
+              <a:buNone/>
+            </a:pPr>
+            <a:endParaRPr lang="fr-CH" sz="1800" dirty="0">
+              <a:latin typeface="Montserrat" pitchFamily="2" charset="77"/>
+            </a:endParaRPr>
+          </a:p>
+          <a:p>
+            <a:pPr marL="0" indent="0">
+              <a:buNone/>
+            </a:pPr>
+            <a:r>
+              <a:rPr lang="fr-CH" sz="1800" b="0" i="0" u="sng" strike="noStrike" dirty="0">
+                <a:effectLst/>
+                <a:latin typeface="Montserrat" pitchFamily="2" charset="77"/>
+              </a:rPr>
+              <a:t>Services tierces :</a:t>
+            </a:r>
+            <a:r>
+              <a:rPr lang="fr-CH" sz="1800" b="0" i="0" strike="noStrike" dirty="0">
+                <a:effectLst/>
+                <a:latin typeface="Montserrat" pitchFamily="2" charset="77"/>
+              </a:rPr>
+              <a:t> </a:t>
+            </a:r>
+            <a:r>
+              <a:rPr lang="fr-FR" sz="1800" dirty="0">
+                <a:latin typeface="Montserrat" pitchFamily="2" charset="77"/>
+                <a:ea typeface="Arial" panose="020B0604020202020204" pitchFamily="34" charset="0"/>
+              </a:rPr>
+              <a:t>Google Analytics, Meta Pixels, Stripe </a:t>
+            </a:r>
+            <a:r>
+              <a:rPr lang="fr-FR" sz="1800">
+                <a:latin typeface="Montserrat" pitchFamily="2" charset="77"/>
+                <a:ea typeface="Arial" panose="020B0604020202020204" pitchFamily="34" charset="0"/>
+              </a:rPr>
+              <a:t>ou PayPal.</a:t>
+            </a:r>
+            <a:r>
+              <a:rPr lang="fr-CH" sz="1800" b="0" i="0" u="none" strike="noStrike">
+                <a:effectLst/>
+                <a:latin typeface="Montserrat" pitchFamily="2" charset="77"/>
+              </a:rPr>
+              <a:t>  </a:t>
             </a:r>
             <a:endParaRPr lang="fr-CH" sz="1800" dirty="0">
               <a:latin typeface="Montserrat" pitchFamily="2" charset="77"/>
